--- a/Data Structures/slides/COM2067_Chapter7.pptx
+++ b/Data Structures/slides/COM2067_Chapter7.pptx
@@ -70,14 +70,14 @@
   <p:notesSz cx="6858000" cy="9144000"/>
   <p:embeddedFontLst>
     <p:embeddedFont>
-      <p:font typeface="Calibri" panose="020F0502020204030204" pitchFamily="34" charset="0"/>
+      <p:font typeface="Century Gothic" panose="020B0502020202020204" pitchFamily="34" charset="0"/>
       <p:regular r:id="rId60"/>
       <p:bold r:id="rId61"/>
       <p:italic r:id="rId62"/>
       <p:boldItalic r:id="rId63"/>
     </p:embeddedFont>
     <p:embeddedFont>
-      <p:font typeface="Century Gothic" panose="020B0502020202020204" pitchFamily="34" charset="0"/>
+      <p:font typeface="Calibri" panose="020F0502020204030204" pitchFamily="34" charset="0"/>
       <p:regular r:id="rId64"/>
       <p:bold r:id="rId65"/>
       <p:italic r:id="rId66"/>
@@ -1294,11 +1294,6 @@
         </p:txBody>
       </p:sp>
     </p:spTree>
-    <p:extLst>
-      <p:ext uri="{BB962C8B-B14F-4D97-AF65-F5344CB8AC3E}">
-        <p14:creationId xmlns:p14="http://schemas.microsoft.com/office/powerpoint/2010/main" val="2858036976"/>
-      </p:ext>
-    </p:extLst>
   </p:cSld>
   <p:clrMap bg1="lt1" tx1="dk1" bg2="dk2" tx2="lt2" accent1="accent1" accent2="accent2" accent3="accent3" accent4="accent4" accent5="accent5" accent6="accent6" hlink="hlink" folHlink="folHlink"/>
   <p:notesStyle>
@@ -1630,11 +1625,6 @@
         </p:spPr>
       </p:sp>
     </p:spTree>
-    <p:extLst>
-      <p:ext uri="{BB962C8B-B14F-4D97-AF65-F5344CB8AC3E}">
-        <p14:creationId xmlns:p14="http://schemas.microsoft.com/office/powerpoint/2010/main" val="1277388485"/>
-      </p:ext>
-    </p:extLst>
   </p:cSld>
   <p:clrMapOvr>
     <a:masterClrMapping/>
@@ -1799,11 +1789,6 @@
         </p:txBody>
       </p:sp>
     </p:spTree>
-    <p:extLst>
-      <p:ext uri="{BB962C8B-B14F-4D97-AF65-F5344CB8AC3E}">
-        <p14:creationId xmlns:p14="http://schemas.microsoft.com/office/powerpoint/2010/main" val="2231983742"/>
-      </p:ext>
-    </p:extLst>
   </p:cSld>
   <p:clrMapOvr>
     <a:masterClrMapping/>
@@ -1968,11 +1953,6 @@
         </p:txBody>
       </p:sp>
     </p:spTree>
-    <p:extLst>
-      <p:ext uri="{BB962C8B-B14F-4D97-AF65-F5344CB8AC3E}">
-        <p14:creationId xmlns:p14="http://schemas.microsoft.com/office/powerpoint/2010/main" val="1286067441"/>
-      </p:ext>
-    </p:extLst>
   </p:cSld>
   <p:clrMapOvr>
     <a:masterClrMapping/>
@@ -2137,11 +2117,6 @@
         </p:txBody>
       </p:sp>
     </p:spTree>
-    <p:extLst>
-      <p:ext uri="{BB962C8B-B14F-4D97-AF65-F5344CB8AC3E}">
-        <p14:creationId xmlns:p14="http://schemas.microsoft.com/office/powerpoint/2010/main" val="1787631182"/>
-      </p:ext>
-    </p:extLst>
   </p:cSld>
   <p:clrMapOvr>
     <a:masterClrMapping/>
@@ -2306,11 +2281,6 @@
         </p:txBody>
       </p:sp>
     </p:spTree>
-    <p:extLst>
-      <p:ext uri="{BB962C8B-B14F-4D97-AF65-F5344CB8AC3E}">
-        <p14:creationId xmlns:p14="http://schemas.microsoft.com/office/powerpoint/2010/main" val="3184690381"/>
-      </p:ext>
-    </p:extLst>
   </p:cSld>
   <p:clrMapOvr>
     <a:masterClrMapping/>
@@ -2475,11 +2445,6 @@
         </p:txBody>
       </p:sp>
     </p:spTree>
-    <p:extLst>
-      <p:ext uri="{BB962C8B-B14F-4D97-AF65-F5344CB8AC3E}">
-        <p14:creationId xmlns:p14="http://schemas.microsoft.com/office/powerpoint/2010/main" val="2605778826"/>
-      </p:ext>
-    </p:extLst>
   </p:cSld>
   <p:clrMapOvr>
     <a:masterClrMapping/>
@@ -2644,11 +2609,6 @@
         </p:txBody>
       </p:sp>
     </p:spTree>
-    <p:extLst>
-      <p:ext uri="{BB962C8B-B14F-4D97-AF65-F5344CB8AC3E}">
-        <p14:creationId xmlns:p14="http://schemas.microsoft.com/office/powerpoint/2010/main" val="2587838968"/>
-      </p:ext>
-    </p:extLst>
   </p:cSld>
   <p:clrMapOvr>
     <a:masterClrMapping/>
@@ -2813,11 +2773,6 @@
         </p:txBody>
       </p:sp>
     </p:spTree>
-    <p:extLst>
-      <p:ext uri="{BB962C8B-B14F-4D97-AF65-F5344CB8AC3E}">
-        <p14:creationId xmlns:p14="http://schemas.microsoft.com/office/powerpoint/2010/main" val="2435019241"/>
-      </p:ext>
-    </p:extLst>
   </p:cSld>
   <p:clrMapOvr>
     <a:masterClrMapping/>
@@ -2982,11 +2937,6 @@
         </p:txBody>
       </p:sp>
     </p:spTree>
-    <p:extLst>
-      <p:ext uri="{BB962C8B-B14F-4D97-AF65-F5344CB8AC3E}">
-        <p14:creationId xmlns:p14="http://schemas.microsoft.com/office/powerpoint/2010/main" val="3988313140"/>
-      </p:ext>
-    </p:extLst>
   </p:cSld>
   <p:clrMapOvr>
     <a:masterClrMapping/>
@@ -3151,11 +3101,6 @@
         </p:txBody>
       </p:sp>
     </p:spTree>
-    <p:extLst>
-      <p:ext uri="{BB962C8B-B14F-4D97-AF65-F5344CB8AC3E}">
-        <p14:creationId xmlns:p14="http://schemas.microsoft.com/office/powerpoint/2010/main" val="1901757641"/>
-      </p:ext>
-    </p:extLst>
   </p:cSld>
   <p:clrMapOvr>
     <a:masterClrMapping/>
@@ -3320,11 +3265,6 @@
         </p:txBody>
       </p:sp>
     </p:spTree>
-    <p:extLst>
-      <p:ext uri="{BB962C8B-B14F-4D97-AF65-F5344CB8AC3E}">
-        <p14:creationId xmlns:p14="http://schemas.microsoft.com/office/powerpoint/2010/main" val="121978314"/>
-      </p:ext>
-    </p:extLst>
   </p:cSld>
   <p:clrMapOvr>
     <a:masterClrMapping/>
@@ -3429,11 +3369,6 @@
         </p:spPr>
       </p:sp>
     </p:spTree>
-    <p:extLst>
-      <p:ext uri="{BB962C8B-B14F-4D97-AF65-F5344CB8AC3E}">
-        <p14:creationId xmlns:p14="http://schemas.microsoft.com/office/powerpoint/2010/main" val="211304589"/>
-      </p:ext>
-    </p:extLst>
   </p:cSld>
   <p:clrMapOvr>
     <a:masterClrMapping/>
@@ -3598,11 +3533,6 @@
         </p:txBody>
       </p:sp>
     </p:spTree>
-    <p:extLst>
-      <p:ext uri="{BB962C8B-B14F-4D97-AF65-F5344CB8AC3E}">
-        <p14:creationId xmlns:p14="http://schemas.microsoft.com/office/powerpoint/2010/main" val="22511931"/>
-      </p:ext>
-    </p:extLst>
   </p:cSld>
   <p:clrMapOvr>
     <a:masterClrMapping/>
@@ -3767,11 +3697,6 @@
         </p:txBody>
       </p:sp>
     </p:spTree>
-    <p:extLst>
-      <p:ext uri="{BB962C8B-B14F-4D97-AF65-F5344CB8AC3E}">
-        <p14:creationId xmlns:p14="http://schemas.microsoft.com/office/powerpoint/2010/main" val="2744311178"/>
-      </p:ext>
-    </p:extLst>
   </p:cSld>
   <p:clrMapOvr>
     <a:masterClrMapping/>
@@ -3936,11 +3861,6 @@
         </p:txBody>
       </p:sp>
     </p:spTree>
-    <p:extLst>
-      <p:ext uri="{BB962C8B-B14F-4D97-AF65-F5344CB8AC3E}">
-        <p14:creationId xmlns:p14="http://schemas.microsoft.com/office/powerpoint/2010/main" val="4242309686"/>
-      </p:ext>
-    </p:extLst>
   </p:cSld>
   <p:clrMapOvr>
     <a:masterClrMapping/>
@@ -4105,11 +4025,6 @@
         </p:txBody>
       </p:sp>
     </p:spTree>
-    <p:extLst>
-      <p:ext uri="{BB962C8B-B14F-4D97-AF65-F5344CB8AC3E}">
-        <p14:creationId xmlns:p14="http://schemas.microsoft.com/office/powerpoint/2010/main" val="1334931416"/>
-      </p:ext>
-    </p:extLst>
   </p:cSld>
   <p:clrMapOvr>
     <a:masterClrMapping/>
@@ -4274,11 +4189,6 @@
         </p:txBody>
       </p:sp>
     </p:spTree>
-    <p:extLst>
-      <p:ext uri="{BB962C8B-B14F-4D97-AF65-F5344CB8AC3E}">
-        <p14:creationId xmlns:p14="http://schemas.microsoft.com/office/powerpoint/2010/main" val="3365398940"/>
-      </p:ext>
-    </p:extLst>
   </p:cSld>
   <p:clrMapOvr>
     <a:masterClrMapping/>
@@ -4443,11 +4353,6 @@
         </p:txBody>
       </p:sp>
     </p:spTree>
-    <p:extLst>
-      <p:ext uri="{BB962C8B-B14F-4D97-AF65-F5344CB8AC3E}">
-        <p14:creationId xmlns:p14="http://schemas.microsoft.com/office/powerpoint/2010/main" val="3782438199"/>
-      </p:ext>
-    </p:extLst>
   </p:cSld>
   <p:clrMapOvr>
     <a:masterClrMapping/>
@@ -4612,11 +4517,6 @@
         </p:txBody>
       </p:sp>
     </p:spTree>
-    <p:extLst>
-      <p:ext uri="{BB962C8B-B14F-4D97-AF65-F5344CB8AC3E}">
-        <p14:creationId xmlns:p14="http://schemas.microsoft.com/office/powerpoint/2010/main" val="1138362150"/>
-      </p:ext>
-    </p:extLst>
   </p:cSld>
   <p:clrMapOvr>
     <a:masterClrMapping/>
@@ -4781,11 +4681,6 @@
         </p:txBody>
       </p:sp>
     </p:spTree>
-    <p:extLst>
-      <p:ext uri="{BB962C8B-B14F-4D97-AF65-F5344CB8AC3E}">
-        <p14:creationId xmlns:p14="http://schemas.microsoft.com/office/powerpoint/2010/main" val="617775378"/>
-      </p:ext>
-    </p:extLst>
   </p:cSld>
   <p:clrMapOvr>
     <a:masterClrMapping/>
@@ -4950,11 +4845,6 @@
         </p:txBody>
       </p:sp>
     </p:spTree>
-    <p:extLst>
-      <p:ext uri="{BB962C8B-B14F-4D97-AF65-F5344CB8AC3E}">
-        <p14:creationId xmlns:p14="http://schemas.microsoft.com/office/powerpoint/2010/main" val="2268055037"/>
-      </p:ext>
-    </p:extLst>
   </p:cSld>
   <p:clrMapOvr>
     <a:masterClrMapping/>
@@ -5119,11 +5009,6 @@
         </p:txBody>
       </p:sp>
     </p:spTree>
-    <p:extLst>
-      <p:ext uri="{BB962C8B-B14F-4D97-AF65-F5344CB8AC3E}">
-        <p14:creationId xmlns:p14="http://schemas.microsoft.com/office/powerpoint/2010/main" val="3511887960"/>
-      </p:ext>
-    </p:extLst>
   </p:cSld>
   <p:clrMapOvr>
     <a:masterClrMapping/>
@@ -5288,11 +5173,6 @@
         </p:txBody>
       </p:sp>
     </p:spTree>
-    <p:extLst>
-      <p:ext uri="{BB962C8B-B14F-4D97-AF65-F5344CB8AC3E}">
-        <p14:creationId xmlns:p14="http://schemas.microsoft.com/office/powerpoint/2010/main" val="2017746245"/>
-      </p:ext>
-    </p:extLst>
   </p:cSld>
   <p:clrMapOvr>
     <a:masterClrMapping/>
@@ -5457,11 +5337,6 @@
         </p:txBody>
       </p:sp>
     </p:spTree>
-    <p:extLst>
-      <p:ext uri="{BB962C8B-B14F-4D97-AF65-F5344CB8AC3E}">
-        <p14:creationId xmlns:p14="http://schemas.microsoft.com/office/powerpoint/2010/main" val="2461100932"/>
-      </p:ext>
-    </p:extLst>
   </p:cSld>
   <p:clrMapOvr>
     <a:masterClrMapping/>
@@ -5626,11 +5501,6 @@
         </p:txBody>
       </p:sp>
     </p:spTree>
-    <p:extLst>
-      <p:ext uri="{BB962C8B-B14F-4D97-AF65-F5344CB8AC3E}">
-        <p14:creationId xmlns:p14="http://schemas.microsoft.com/office/powerpoint/2010/main" val="957284663"/>
-      </p:ext>
-    </p:extLst>
   </p:cSld>
   <p:clrMapOvr>
     <a:masterClrMapping/>
@@ -5795,11 +5665,6 @@
         </p:txBody>
       </p:sp>
     </p:spTree>
-    <p:extLst>
-      <p:ext uri="{BB962C8B-B14F-4D97-AF65-F5344CB8AC3E}">
-        <p14:creationId xmlns:p14="http://schemas.microsoft.com/office/powerpoint/2010/main" val="1929698854"/>
-      </p:ext>
-    </p:extLst>
   </p:cSld>
   <p:clrMapOvr>
     <a:masterClrMapping/>
@@ -5964,11 +5829,6 @@
         </p:txBody>
       </p:sp>
     </p:spTree>
-    <p:extLst>
-      <p:ext uri="{BB962C8B-B14F-4D97-AF65-F5344CB8AC3E}">
-        <p14:creationId xmlns:p14="http://schemas.microsoft.com/office/powerpoint/2010/main" val="3296326530"/>
-      </p:ext>
-    </p:extLst>
   </p:cSld>
   <p:clrMapOvr>
     <a:masterClrMapping/>
@@ -6133,11 +5993,6 @@
         </p:txBody>
       </p:sp>
     </p:spTree>
-    <p:extLst>
-      <p:ext uri="{BB962C8B-B14F-4D97-AF65-F5344CB8AC3E}">
-        <p14:creationId xmlns:p14="http://schemas.microsoft.com/office/powerpoint/2010/main" val="1195356983"/>
-      </p:ext>
-    </p:extLst>
   </p:cSld>
   <p:clrMapOvr>
     <a:masterClrMapping/>
@@ -6302,11 +6157,6 @@
         </p:txBody>
       </p:sp>
     </p:spTree>
-    <p:extLst>
-      <p:ext uri="{BB962C8B-B14F-4D97-AF65-F5344CB8AC3E}">
-        <p14:creationId xmlns:p14="http://schemas.microsoft.com/office/powerpoint/2010/main" val="79887118"/>
-      </p:ext>
-    </p:extLst>
   </p:cSld>
   <p:clrMapOvr>
     <a:masterClrMapping/>
@@ -6471,11 +6321,6 @@
         </p:txBody>
       </p:sp>
     </p:spTree>
-    <p:extLst>
-      <p:ext uri="{BB962C8B-B14F-4D97-AF65-F5344CB8AC3E}">
-        <p14:creationId xmlns:p14="http://schemas.microsoft.com/office/powerpoint/2010/main" val="1589087061"/>
-      </p:ext>
-    </p:extLst>
   </p:cSld>
   <p:clrMapOvr>
     <a:masterClrMapping/>
@@ -6640,11 +6485,6 @@
         </p:txBody>
       </p:sp>
     </p:spTree>
-    <p:extLst>
-      <p:ext uri="{BB962C8B-B14F-4D97-AF65-F5344CB8AC3E}">
-        <p14:creationId xmlns:p14="http://schemas.microsoft.com/office/powerpoint/2010/main" val="2840000953"/>
-      </p:ext>
-    </p:extLst>
   </p:cSld>
   <p:clrMapOvr>
     <a:masterClrMapping/>
@@ -6809,11 +6649,6 @@
         </p:txBody>
       </p:sp>
     </p:spTree>
-    <p:extLst>
-      <p:ext uri="{BB962C8B-B14F-4D97-AF65-F5344CB8AC3E}">
-        <p14:creationId xmlns:p14="http://schemas.microsoft.com/office/powerpoint/2010/main" val="4257918798"/>
-      </p:ext>
-    </p:extLst>
   </p:cSld>
   <p:clrMapOvr>
     <a:masterClrMapping/>
@@ -6978,11 +6813,6 @@
         </p:txBody>
       </p:sp>
     </p:spTree>
-    <p:extLst>
-      <p:ext uri="{BB962C8B-B14F-4D97-AF65-F5344CB8AC3E}">
-        <p14:creationId xmlns:p14="http://schemas.microsoft.com/office/powerpoint/2010/main" val="4232410491"/>
-      </p:ext>
-    </p:extLst>
   </p:cSld>
   <p:clrMapOvr>
     <a:masterClrMapping/>
@@ -7147,11 +6977,6 @@
         </p:txBody>
       </p:sp>
     </p:spTree>
-    <p:extLst>
-      <p:ext uri="{BB962C8B-B14F-4D97-AF65-F5344CB8AC3E}">
-        <p14:creationId xmlns:p14="http://schemas.microsoft.com/office/powerpoint/2010/main" val="2125376964"/>
-      </p:ext>
-    </p:extLst>
   </p:cSld>
   <p:clrMapOvr>
     <a:masterClrMapping/>
@@ -7316,11 +7141,6 @@
         </p:txBody>
       </p:sp>
     </p:spTree>
-    <p:extLst>
-      <p:ext uri="{BB962C8B-B14F-4D97-AF65-F5344CB8AC3E}">
-        <p14:creationId xmlns:p14="http://schemas.microsoft.com/office/powerpoint/2010/main" val="3432001267"/>
-      </p:ext>
-    </p:extLst>
   </p:cSld>
   <p:clrMapOvr>
     <a:masterClrMapping/>
@@ -7485,11 +7305,6 @@
         </p:txBody>
       </p:sp>
     </p:spTree>
-    <p:extLst>
-      <p:ext uri="{BB962C8B-B14F-4D97-AF65-F5344CB8AC3E}">
-        <p14:creationId xmlns:p14="http://schemas.microsoft.com/office/powerpoint/2010/main" val="512443494"/>
-      </p:ext>
-    </p:extLst>
   </p:cSld>
   <p:clrMapOvr>
     <a:masterClrMapping/>
@@ -7654,11 +7469,6 @@
         </p:txBody>
       </p:sp>
     </p:spTree>
-    <p:extLst>
-      <p:ext uri="{BB962C8B-B14F-4D97-AF65-F5344CB8AC3E}">
-        <p14:creationId xmlns:p14="http://schemas.microsoft.com/office/powerpoint/2010/main" val="3198272991"/>
-      </p:ext>
-    </p:extLst>
   </p:cSld>
   <p:clrMapOvr>
     <a:masterClrMapping/>
@@ -7823,11 +7633,6 @@
         </p:txBody>
       </p:sp>
     </p:spTree>
-    <p:extLst>
-      <p:ext uri="{BB962C8B-B14F-4D97-AF65-F5344CB8AC3E}">
-        <p14:creationId xmlns:p14="http://schemas.microsoft.com/office/powerpoint/2010/main" val="4266969431"/>
-      </p:ext>
-    </p:extLst>
   </p:cSld>
   <p:clrMapOvr>
     <a:masterClrMapping/>
@@ -7992,11 +7797,6 @@
         </p:txBody>
       </p:sp>
     </p:spTree>
-    <p:extLst>
-      <p:ext uri="{BB962C8B-B14F-4D97-AF65-F5344CB8AC3E}">
-        <p14:creationId xmlns:p14="http://schemas.microsoft.com/office/powerpoint/2010/main" val="1827424388"/>
-      </p:ext>
-    </p:extLst>
   </p:cSld>
   <p:clrMapOvr>
     <a:masterClrMapping/>
@@ -8161,11 +7961,6 @@
         </p:txBody>
       </p:sp>
     </p:spTree>
-    <p:extLst>
-      <p:ext uri="{BB962C8B-B14F-4D97-AF65-F5344CB8AC3E}">
-        <p14:creationId xmlns:p14="http://schemas.microsoft.com/office/powerpoint/2010/main" val="3834556972"/>
-      </p:ext>
-    </p:extLst>
   </p:cSld>
   <p:clrMapOvr>
     <a:masterClrMapping/>
@@ -8330,11 +8125,6 @@
         </p:txBody>
       </p:sp>
     </p:spTree>
-    <p:extLst>
-      <p:ext uri="{BB962C8B-B14F-4D97-AF65-F5344CB8AC3E}">
-        <p14:creationId xmlns:p14="http://schemas.microsoft.com/office/powerpoint/2010/main" val="1741261171"/>
-      </p:ext>
-    </p:extLst>
   </p:cSld>
   <p:clrMapOvr>
     <a:masterClrMapping/>
@@ -8499,11 +8289,6 @@
         </p:txBody>
       </p:sp>
     </p:spTree>
-    <p:extLst>
-      <p:ext uri="{BB962C8B-B14F-4D97-AF65-F5344CB8AC3E}">
-        <p14:creationId xmlns:p14="http://schemas.microsoft.com/office/powerpoint/2010/main" val="2419563104"/>
-      </p:ext>
-    </p:extLst>
   </p:cSld>
   <p:clrMapOvr>
     <a:masterClrMapping/>
@@ -8668,11 +8453,6 @@
         </p:txBody>
       </p:sp>
     </p:spTree>
-    <p:extLst>
-      <p:ext uri="{BB962C8B-B14F-4D97-AF65-F5344CB8AC3E}">
-        <p14:creationId xmlns:p14="http://schemas.microsoft.com/office/powerpoint/2010/main" val="2170850504"/>
-      </p:ext>
-    </p:extLst>
   </p:cSld>
   <p:clrMapOvr>
     <a:masterClrMapping/>
@@ -8837,11 +8617,6 @@
         </p:txBody>
       </p:sp>
     </p:spTree>
-    <p:extLst>
-      <p:ext uri="{BB962C8B-B14F-4D97-AF65-F5344CB8AC3E}">
-        <p14:creationId xmlns:p14="http://schemas.microsoft.com/office/powerpoint/2010/main" val="2059882305"/>
-      </p:ext>
-    </p:extLst>
   </p:cSld>
   <p:clrMapOvr>
     <a:masterClrMapping/>
@@ -9006,11 +8781,6 @@
         </p:txBody>
       </p:sp>
     </p:spTree>
-    <p:extLst>
-      <p:ext uri="{BB962C8B-B14F-4D97-AF65-F5344CB8AC3E}">
-        <p14:creationId xmlns:p14="http://schemas.microsoft.com/office/powerpoint/2010/main" val="3172403885"/>
-      </p:ext>
-    </p:extLst>
   </p:cSld>
   <p:clrMapOvr>
     <a:masterClrMapping/>
@@ -9175,11 +8945,6 @@
         </p:txBody>
       </p:sp>
     </p:spTree>
-    <p:extLst>
-      <p:ext uri="{BB962C8B-B14F-4D97-AF65-F5344CB8AC3E}">
-        <p14:creationId xmlns:p14="http://schemas.microsoft.com/office/powerpoint/2010/main" val="2959746608"/>
-      </p:ext>
-    </p:extLst>
   </p:cSld>
   <p:clrMapOvr>
     <a:masterClrMapping/>
@@ -9344,11 +9109,6 @@
         </p:txBody>
       </p:sp>
     </p:spTree>
-    <p:extLst>
-      <p:ext uri="{BB962C8B-B14F-4D97-AF65-F5344CB8AC3E}">
-        <p14:creationId xmlns:p14="http://schemas.microsoft.com/office/powerpoint/2010/main" val="609491239"/>
-      </p:ext>
-    </p:extLst>
   </p:cSld>
   <p:clrMapOvr>
     <a:masterClrMapping/>
@@ -9513,11 +9273,6 @@
         </p:txBody>
       </p:sp>
     </p:spTree>
-    <p:extLst>
-      <p:ext uri="{BB962C8B-B14F-4D97-AF65-F5344CB8AC3E}">
-        <p14:creationId xmlns:p14="http://schemas.microsoft.com/office/powerpoint/2010/main" val="4241926338"/>
-      </p:ext>
-    </p:extLst>
   </p:cSld>
   <p:clrMapOvr>
     <a:masterClrMapping/>
@@ -9682,11 +9437,6 @@
         </p:txBody>
       </p:sp>
     </p:spTree>
-    <p:extLst>
-      <p:ext uri="{BB962C8B-B14F-4D97-AF65-F5344CB8AC3E}">
-        <p14:creationId xmlns:p14="http://schemas.microsoft.com/office/powerpoint/2010/main" val="269075173"/>
-      </p:ext>
-    </p:extLst>
   </p:cSld>
   <p:clrMapOvr>
     <a:masterClrMapping/>
@@ -9851,11 +9601,6 @@
         </p:txBody>
       </p:sp>
     </p:spTree>
-    <p:extLst>
-      <p:ext uri="{BB962C8B-B14F-4D97-AF65-F5344CB8AC3E}">
-        <p14:creationId xmlns:p14="http://schemas.microsoft.com/office/powerpoint/2010/main" val="2863393257"/>
-      </p:ext>
-    </p:extLst>
   </p:cSld>
   <p:clrMapOvr>
     <a:masterClrMapping/>
@@ -10020,11 +9765,6 @@
         </p:txBody>
       </p:sp>
     </p:spTree>
-    <p:extLst>
-      <p:ext uri="{BB962C8B-B14F-4D97-AF65-F5344CB8AC3E}">
-        <p14:creationId xmlns:p14="http://schemas.microsoft.com/office/powerpoint/2010/main" val="1179994369"/>
-      </p:ext>
-    </p:extLst>
   </p:cSld>
   <p:clrMapOvr>
     <a:masterClrMapping/>
@@ -10189,11 +9929,6 @@
         </p:txBody>
       </p:sp>
     </p:spTree>
-    <p:extLst>
-      <p:ext uri="{BB962C8B-B14F-4D97-AF65-F5344CB8AC3E}">
-        <p14:creationId xmlns:p14="http://schemas.microsoft.com/office/powerpoint/2010/main" val="2329988918"/>
-      </p:ext>
-    </p:extLst>
   </p:cSld>
   <p:clrMapOvr>
     <a:masterClrMapping/>
@@ -10358,11 +10093,6 @@
         </p:txBody>
       </p:sp>
     </p:spTree>
-    <p:extLst>
-      <p:ext uri="{BB962C8B-B14F-4D97-AF65-F5344CB8AC3E}">
-        <p14:creationId xmlns:p14="http://schemas.microsoft.com/office/powerpoint/2010/main" val="2530297030"/>
-      </p:ext>
-    </p:extLst>
   </p:cSld>
   <p:clrMapOvr>
     <a:masterClrMapping/>
@@ -10527,11 +10257,6 @@
         </p:txBody>
       </p:sp>
     </p:spTree>
-    <p:extLst>
-      <p:ext uri="{BB962C8B-B14F-4D97-AF65-F5344CB8AC3E}">
-        <p14:creationId xmlns:p14="http://schemas.microsoft.com/office/powerpoint/2010/main" val="3255509087"/>
-      </p:ext>
-    </p:extLst>
   </p:cSld>
   <p:clrMapOvr>
     <a:masterClrMapping/>
@@ -10696,11 +10421,6 @@
         </p:txBody>
       </p:sp>
     </p:spTree>
-    <p:extLst>
-      <p:ext uri="{BB962C8B-B14F-4D97-AF65-F5344CB8AC3E}">
-        <p14:creationId xmlns:p14="http://schemas.microsoft.com/office/powerpoint/2010/main" val="2988583139"/>
-      </p:ext>
-    </p:extLst>
   </p:cSld>
   <p:clrMapOvr>
     <a:masterClrMapping/>
@@ -10865,11 +10585,6 @@
         </p:txBody>
       </p:sp>
     </p:spTree>
-    <p:extLst>
-      <p:ext uri="{BB962C8B-B14F-4D97-AF65-F5344CB8AC3E}">
-        <p14:creationId xmlns:p14="http://schemas.microsoft.com/office/powerpoint/2010/main" val="3402086145"/>
-      </p:ext>
-    </p:extLst>
   </p:cSld>
   <p:clrMapOvr>
     <a:masterClrMapping/>
@@ -11034,11 +10749,6 @@
         </p:txBody>
       </p:sp>
     </p:spTree>
-    <p:extLst>
-      <p:ext uri="{BB962C8B-B14F-4D97-AF65-F5344CB8AC3E}">
-        <p14:creationId xmlns:p14="http://schemas.microsoft.com/office/powerpoint/2010/main" val="3051493605"/>
-      </p:ext>
-    </p:extLst>
   </p:cSld>
   <p:clrMapOvr>
     <a:masterClrMapping/>
@@ -30631,22 +30341,25 @@
               <a:buNone/>
             </a:pPr>
             <a:r>
-              <a:rPr lang="tr-TR" smtClean="0"/>
-              <a:t>CO</a:t>
-            </a:r>
-            <a:r>
-              <a:rPr lang="en-US" smtClean="0"/>
-              <a:t>M2</a:t>
-            </a:r>
-            <a:r>
               <a:rPr lang="tr-TR" dirty="0" smtClean="0"/>
-              <a:t>0</a:t>
+              <a:t>COM20</a:t>
             </a:r>
             <a:r>
               <a:rPr lang="en-US" dirty="0" smtClean="0"/>
               <a:t>67</a:t>
             </a:r>
-            <a:endParaRPr dirty="0"/>
+            <a:r>
+              <a:rPr lang="tr-TR" smtClean="0"/>
+              <a:t> /</a:t>
+            </a:r>
+            <a:br>
+              <a:rPr lang="tr-TR" smtClean="0"/>
+            </a:br>
+            <a:r>
+              <a:rPr lang="tr-TR" smtClean="0"/>
+              <a:t>COM267</a:t>
+            </a:r>
+            <a:endParaRPr/>
           </a:p>
         </p:txBody>
       </p:sp>
@@ -30690,38 +30403,10 @@
               <a:buNone/>
             </a:pPr>
             <a:r>
-              <a:rPr lang="en-US" dirty="0"/>
-              <a:t>Chapter 7: </a:t>
+              <a:rPr lang="en-US"/>
+              <a:t>Chapter 7: Stacks</a:t>
             </a:r>
-            <a:r>
-              <a:rPr lang="en-US" dirty="0" smtClean="0"/>
-              <a:t>Stacks</a:t>
-            </a:r>
-            <a:endParaRPr lang="tr-TR" dirty="0" smtClean="0"/>
-          </a:p>
-          <a:p>
-            <a:pPr marL="0" indent="0">
-              <a:spcBef>
-                <a:spcPts val="0"/>
-              </a:spcBef>
-            </a:pPr>
-            <a:r>
-              <a:rPr lang="en-US" b="1" dirty="0"/>
-              <a:t>Data Structures Using C, Second Edition</a:t>
-            </a:r>
-          </a:p>
-          <a:p>
-            <a:pPr marL="0" lvl="0" indent="0" algn="l" rtl="0">
-              <a:spcBef>
-                <a:spcPts val="0"/>
-              </a:spcBef>
-              <a:spcAft>
-                <a:spcPts val="0"/>
-              </a:spcAft>
-              <a:buSzPts val="1368"/>
-              <a:buNone/>
-            </a:pPr>
-            <a:endParaRPr b="1" dirty="0"/>
+            <a:endParaRPr b="1"/>
           </a:p>
         </p:txBody>
       </p:sp>
@@ -30866,13 +30551,6 @@
   <p:clrMapOvr>
     <a:masterClrMapping/>
   </p:clrMapOvr>
-  <p:timing>
-    <p:tnLst>
-      <p:par>
-        <p:cTn id="1" dur="indefinite" restart="never" nodeType="tmRoot"/>
-      </p:par>
-    </p:tnLst>
-  </p:timing>
 </p:sld>
 </file>
 
@@ -31183,13 +30861,6 @@
   <p:clrMapOvr>
     <a:masterClrMapping/>
   </p:clrMapOvr>
-  <p:timing>
-    <p:tnLst>
-      <p:par>
-        <p:cTn id="1" dur="indefinite" restart="never" nodeType="tmRoot"/>
-      </p:par>
-    </p:tnLst>
-  </p:timing>
 </p:sld>
 </file>
 
@@ -31677,13 +31348,6 @@
   <p:clrMapOvr>
     <a:masterClrMapping/>
   </p:clrMapOvr>
-  <p:timing>
-    <p:tnLst>
-      <p:par>
-        <p:cTn id="1" dur="indefinite" restart="never" nodeType="tmRoot"/>
-      </p:par>
-    </p:tnLst>
-  </p:timing>
 </p:sld>
 </file>
 
@@ -31704,33 +31368,6 @@
           <a:chExt cx="0" cy="0"/>
         </a:xfrm>
       </p:grpSpPr>
-      <p:pic>
-        <p:nvPicPr>
-          <p:cNvPr id="371" name="Google Shape;371;p12"/>
-          <p:cNvPicPr preferRelativeResize="0"/>
-          <p:nvPr/>
-        </p:nvPicPr>
-        <p:blipFill rotWithShape="1">
-          <a:blip r:embed="rId3">
-            <a:alphaModFix/>
-          </a:blip>
-          <a:srcRect/>
-          <a:stretch/>
-        </p:blipFill>
-        <p:spPr>
-          <a:xfrm>
-            <a:off x="1875851" y="5440571"/>
-            <a:ext cx="5038725" cy="904875"/>
-          </a:xfrm>
-          <a:prstGeom prst="rect">
-            <a:avLst/>
-          </a:prstGeom>
-          <a:noFill/>
-          <a:ln>
-            <a:noFill/>
-          </a:ln>
-        </p:spPr>
-      </p:pic>
       <p:sp>
         <p:nvSpPr>
           <p:cNvPr id="366" name="Google Shape;366;p12"/>
@@ -32111,6 +31748,33 @@
           <p:nvPr/>
         </p:nvPicPr>
         <p:blipFill rotWithShape="1">
+          <a:blip r:embed="rId3">
+            <a:alphaModFix/>
+          </a:blip>
+          <a:srcRect/>
+          <a:stretch/>
+        </p:blipFill>
+        <p:spPr>
+          <a:xfrm>
+            <a:off x="2723587" y="3810000"/>
+            <a:ext cx="3343275" cy="1685925"/>
+          </a:xfrm>
+          <a:prstGeom prst="rect">
+            <a:avLst/>
+          </a:prstGeom>
+          <a:noFill/>
+          <a:ln>
+            <a:noFill/>
+          </a:ln>
+        </p:spPr>
+      </p:pic>
+      <p:pic>
+        <p:nvPicPr>
+          <p:cNvPr id="371" name="Google Shape;371;p12"/>
+          <p:cNvPicPr preferRelativeResize="0"/>
+          <p:nvPr/>
+        </p:nvPicPr>
+        <p:blipFill rotWithShape="1">
           <a:blip r:embed="rId4">
             <a:alphaModFix/>
           </a:blip>
@@ -32119,8 +31783,8 @@
         </p:blipFill>
         <p:spPr>
           <a:xfrm>
-            <a:off x="2735619" y="3593424"/>
-            <a:ext cx="3343275" cy="1685925"/>
+            <a:off x="1875852" y="5584950"/>
+            <a:ext cx="5038725" cy="904875"/>
           </a:xfrm>
           <a:prstGeom prst="rect">
             <a:avLst/>
@@ -32136,13 +31800,6 @@
   <p:clrMapOvr>
     <a:masterClrMapping/>
   </p:clrMapOvr>
-  <p:timing>
-    <p:tnLst>
-      <p:par>
-        <p:cTn id="1" dur="indefinite" restart="never" nodeType="tmRoot"/>
-      </p:par>
-    </p:tnLst>
-  </p:timing>
 </p:sld>
 </file>
 
@@ -32370,13 +32027,6 @@
   <p:clrMapOvr>
     <a:masterClrMapping/>
   </p:clrMapOvr>
-  <p:timing>
-    <p:tnLst>
-      <p:par>
-        <p:cTn id="1" dur="indefinite" restart="never" nodeType="tmRoot"/>
-      </p:par>
-    </p:tnLst>
-  </p:timing>
 </p:sld>
 </file>
 
@@ -32604,13 +32254,6 @@
   <p:clrMapOvr>
     <a:masterClrMapping/>
   </p:clrMapOvr>
-  <p:timing>
-    <p:tnLst>
-      <p:par>
-        <p:cTn id="1" dur="indefinite" restart="never" nodeType="tmRoot"/>
-      </p:par>
-    </p:tnLst>
-  </p:timing>
 </p:sld>
 </file>
 
@@ -32953,13 +32596,6 @@
   <p:clrMapOvr>
     <a:masterClrMapping/>
   </p:clrMapOvr>
-  <p:timing>
-    <p:tnLst>
-      <p:par>
-        <p:cTn id="1" dur="indefinite" restart="never" nodeType="tmRoot"/>
-      </p:par>
-    </p:tnLst>
-  </p:timing>
 </p:sld>
 </file>
 
@@ -33313,13 +32949,6 @@
   <p:clrMapOvr>
     <a:masterClrMapping/>
   </p:clrMapOvr>
-  <p:timing>
-    <p:tnLst>
-      <p:par>
-        <p:cTn id="1" dur="indefinite" restart="never" nodeType="tmRoot"/>
-      </p:par>
-    </p:tnLst>
-  </p:timing>
 </p:sld>
 </file>
 
@@ -33828,13 +33457,6 @@
   <p:clrMapOvr>
     <a:masterClrMapping/>
   </p:clrMapOvr>
-  <p:timing>
-    <p:tnLst>
-      <p:par>
-        <p:cTn id="1" dur="indefinite" restart="never" nodeType="tmRoot"/>
-      </p:par>
-    </p:tnLst>
-  </p:timing>
 </p:sld>
 </file>
 
@@ -34212,13 +33834,6 @@
   <p:clrMapOvr>
     <a:masterClrMapping/>
   </p:clrMapOvr>
-  <p:timing>
-    <p:tnLst>
-      <p:par>
-        <p:cTn id="1" dur="indefinite" restart="never" nodeType="tmRoot"/>
-      </p:par>
-    </p:tnLst>
-  </p:timing>
 </p:sld>
 </file>
 
@@ -34564,13 +34179,6 @@
   <p:clrMapOvr>
     <a:masterClrMapping/>
   </p:clrMapOvr>
-  <p:timing>
-    <p:tnLst>
-      <p:par>
-        <p:cTn id="1" dur="indefinite" restart="never" nodeType="tmRoot"/>
-      </p:par>
-    </p:tnLst>
-  </p:timing>
 </p:sld>
 </file>
 
@@ -34935,13 +34543,6 @@
   <p:clrMapOvr>
     <a:masterClrMapping/>
   </p:clrMapOvr>
-  <p:timing>
-    <p:tnLst>
-      <p:par>
-        <p:cTn id="1" dur="indefinite" restart="never" nodeType="tmRoot"/>
-      </p:par>
-    </p:tnLst>
-  </p:timing>
 </p:sld>
 </file>
 
@@ -35369,13 +34970,6 @@
   <p:clrMapOvr>
     <a:masterClrMapping/>
   </p:clrMapOvr>
-  <p:timing>
-    <p:tnLst>
-      <p:par>
-        <p:cTn id="1" dur="indefinite" restart="never" nodeType="tmRoot"/>
-      </p:par>
-    </p:tnLst>
-  </p:timing>
 </p:sld>
 </file>
 
@@ -35603,13 +35197,6 @@
   <p:clrMapOvr>
     <a:masterClrMapping/>
   </p:clrMapOvr>
-  <p:timing>
-    <p:tnLst>
-      <p:par>
-        <p:cTn id="1" dur="indefinite" restart="never" nodeType="tmRoot"/>
-      </p:par>
-    </p:tnLst>
-  </p:timing>
 </p:sld>
 </file>
 
@@ -35864,13 +35451,6 @@
   <p:clrMapOvr>
     <a:masterClrMapping/>
   </p:clrMapOvr>
-  <p:timing>
-    <p:tnLst>
-      <p:par>
-        <p:cTn id="1" dur="indefinite" restart="never" nodeType="tmRoot"/>
-      </p:par>
-    </p:tnLst>
-  </p:timing>
 </p:sld>
 </file>
 
@@ -36098,13 +35678,6 @@
   <p:clrMapOvr>
     <a:masterClrMapping/>
   </p:clrMapOvr>
-  <p:timing>
-    <p:tnLst>
-      <p:par>
-        <p:cTn id="1" dur="indefinite" restart="never" nodeType="tmRoot"/>
-      </p:par>
-    </p:tnLst>
-  </p:timing>
 </p:sld>
 </file>
 
@@ -36522,13 +36095,6 @@
   <p:clrMapOvr>
     <a:masterClrMapping/>
   </p:clrMapOvr>
-  <p:timing>
-    <p:tnLst>
-      <p:par>
-        <p:cTn id="1" dur="indefinite" restart="never" nodeType="tmRoot"/>
-      </p:par>
-    </p:tnLst>
-  </p:timing>
 </p:sld>
 </file>
 
@@ -36810,13 +36376,6 @@
   <p:clrMapOvr>
     <a:masterClrMapping/>
   </p:clrMapOvr>
-  <p:timing>
-    <p:tnLst>
-      <p:par>
-        <p:cTn id="1" dur="indefinite" restart="never" nodeType="tmRoot"/>
-      </p:par>
-    </p:tnLst>
-  </p:timing>
 </p:sld>
 </file>
 
@@ -37071,13 +36630,6 @@
   <p:clrMapOvr>
     <a:masterClrMapping/>
   </p:clrMapOvr>
-  <p:timing>
-    <p:tnLst>
-      <p:par>
-        <p:cTn id="1" dur="indefinite" restart="never" nodeType="tmRoot"/>
-      </p:par>
-    </p:tnLst>
-  </p:timing>
 </p:sld>
 </file>
 
@@ -37462,13 +37014,6 @@
   <p:clrMapOvr>
     <a:masterClrMapping/>
   </p:clrMapOvr>
-  <p:timing>
-    <p:tnLst>
-      <p:par>
-        <p:cTn id="1" dur="indefinite" restart="never" nodeType="tmRoot"/>
-      </p:par>
-    </p:tnLst>
-  </p:timing>
 </p:sld>
 </file>
 
@@ -37696,13 +37241,6 @@
   <p:clrMapOvr>
     <a:masterClrMapping/>
   </p:clrMapOvr>
-  <p:timing>
-    <p:tnLst>
-      <p:par>
-        <p:cTn id="1" dur="indefinite" restart="never" nodeType="tmRoot"/>
-      </p:par>
-    </p:tnLst>
-  </p:timing>
 </p:sld>
 </file>
 
@@ -37930,13 +37468,6 @@
   <p:clrMapOvr>
     <a:masterClrMapping/>
   </p:clrMapOvr>
-  <p:timing>
-    <p:tnLst>
-      <p:par>
-        <p:cTn id="1" dur="indefinite" restart="never" nodeType="tmRoot"/>
-      </p:par>
-    </p:tnLst>
-  </p:timing>
 </p:sld>
 </file>
 
@@ -38294,13 +37825,6 @@
   <p:clrMapOvr>
     <a:masterClrMapping/>
   </p:clrMapOvr>
-  <p:timing>
-    <p:tnLst>
-      <p:par>
-        <p:cTn id="1" dur="indefinite" restart="never" nodeType="tmRoot"/>
-      </p:par>
-    </p:tnLst>
-  </p:timing>
 </p:sld>
 </file>
 
@@ -38731,13 +38255,6 @@
   <p:clrMapOvr>
     <a:masterClrMapping/>
   </p:clrMapOvr>
-  <p:timing>
-    <p:tnLst>
-      <p:par>
-        <p:cTn id="1" dur="indefinite" restart="never" nodeType="tmRoot"/>
-      </p:par>
-    </p:tnLst>
-  </p:timing>
 </p:sld>
 </file>
 
@@ -39088,13 +38605,6 @@
   <p:clrMapOvr>
     <a:masterClrMapping/>
   </p:clrMapOvr>
-  <p:timing>
-    <p:tnLst>
-      <p:par>
-        <p:cTn id="1" dur="indefinite" restart="never" nodeType="tmRoot"/>
-      </p:par>
-    </p:tnLst>
-  </p:timing>
 </p:sld>
 </file>
 
@@ -39444,13 +38954,6 @@
   <p:clrMapOvr>
     <a:masterClrMapping/>
   </p:clrMapOvr>
-  <p:timing>
-    <p:tnLst>
-      <p:par>
-        <p:cTn id="1" dur="indefinite" restart="never" nodeType="tmRoot"/>
-      </p:par>
-    </p:tnLst>
-  </p:timing>
 </p:sld>
 </file>
 
@@ -39781,13 +39284,6 @@
   <p:clrMapOvr>
     <a:masterClrMapping/>
   </p:clrMapOvr>
-  <p:timing>
-    <p:tnLst>
-      <p:par>
-        <p:cTn id="1" dur="indefinite" restart="never" nodeType="tmRoot"/>
-      </p:par>
-    </p:tnLst>
-  </p:timing>
 </p:sld>
 </file>
 
@@ -40042,13 +39538,6 @@
   <p:clrMapOvr>
     <a:masterClrMapping/>
   </p:clrMapOvr>
-  <p:timing>
-    <p:tnLst>
-      <p:par>
-        <p:cTn id="1" dur="indefinite" restart="never" nodeType="tmRoot"/>
-      </p:par>
-    </p:tnLst>
-  </p:timing>
 </p:sld>
 </file>
 
@@ -40455,13 +39944,6 @@
   <p:clrMapOvr>
     <a:masterClrMapping/>
   </p:clrMapOvr>
-  <p:timing>
-    <p:tnLst>
-      <p:par>
-        <p:cTn id="1" dur="indefinite" restart="never" nodeType="tmRoot"/>
-      </p:par>
-    </p:tnLst>
-  </p:timing>
 </p:sld>
 </file>
 
@@ -40725,29 +40207,21 @@
       </p:sp>
       <p:pic>
         <p:nvPicPr>
-          <p:cNvPr id="1026" name="Picture 2"/>
-          <p:cNvPicPr>
-            <a:picLocks noChangeAspect="1" noChangeArrowheads="1"/>
-          </p:cNvPicPr>
+          <p:cNvPr id="601" name="Google Shape;601;p39"/>
+          <p:cNvPicPr preferRelativeResize="0"/>
           <p:nvPr/>
         </p:nvPicPr>
-        <p:blipFill>
+        <p:blipFill rotWithShape="1">
           <a:blip r:embed="rId3">
-            <a:extLst>
-              <a:ext uri="{28A0092B-C50C-407E-A947-70E740481C1C}">
-                <a14:useLocalDpi xmlns:a14="http://schemas.microsoft.com/office/drawing/2010/main" val="0"/>
-              </a:ext>
-            </a:extLst>
+            <a:alphaModFix/>
           </a:blip>
           <a:srcRect/>
-          <a:stretch>
-            <a:fillRect/>
-          </a:stretch>
+          <a:stretch/>
         </p:blipFill>
-        <p:spPr bwMode="auto">
-          <a:xfrm>
-            <a:off x="476250" y="1948113"/>
-            <a:ext cx="8191500" cy="3924300"/>
+        <p:spPr>
+          <a:xfrm>
+            <a:off x="442850" y="1864350"/>
+            <a:ext cx="8240900" cy="3922448"/>
           </a:xfrm>
           <a:prstGeom prst="rect">
             <a:avLst/>
@@ -40756,25 +40230,6 @@
           <a:ln>
             <a:noFill/>
           </a:ln>
-          <a:extLst>
-            <a:ext uri="{909E8E84-426E-40DD-AFC4-6F175D3DCCD1}">
-              <a14:hiddenFill xmlns:a14="http://schemas.microsoft.com/office/drawing/2010/main">
-                <a:solidFill>
-                  <a:schemeClr val="accent1"/>
-                </a:solidFill>
-              </a14:hiddenFill>
-            </a:ext>
-            <a:ext uri="{91240B29-F687-4F45-9708-019B960494DF}">
-              <a14:hiddenLine xmlns:a14="http://schemas.microsoft.com/office/drawing/2010/main" w="9525">
-                <a:solidFill>
-                  <a:schemeClr val="tx1"/>
-                </a:solidFill>
-                <a:miter lim="800000"/>
-                <a:headEnd/>
-                <a:tailEnd/>
-              </a14:hiddenLine>
-            </a:ext>
-          </a:extLst>
         </p:spPr>
       </p:pic>
     </p:spTree>
@@ -40782,13 +40237,6 @@
   <p:clrMapOvr>
     <a:masterClrMapping/>
   </p:clrMapOvr>
-  <p:timing>
-    <p:tnLst>
-      <p:par>
-        <p:cTn id="1" dur="indefinite" restart="never" nodeType="tmRoot"/>
-      </p:par>
-    </p:tnLst>
-  </p:timing>
 </p:sld>
 </file>
 
@@ -41082,13 +40530,6 @@
   <p:clrMapOvr>
     <a:masterClrMapping/>
   </p:clrMapOvr>
-  <p:timing>
-    <p:tnLst>
-      <p:par>
-        <p:cTn id="1" dur="indefinite" restart="never" nodeType="tmRoot"/>
-      </p:par>
-    </p:tnLst>
-  </p:timing>
 </p:sld>
 </file>
 
@@ -41316,13 +40757,6 @@
   <p:clrMapOvr>
     <a:masterClrMapping/>
   </p:clrMapOvr>
-  <p:timing>
-    <p:tnLst>
-      <p:par>
-        <p:cTn id="1" dur="indefinite" restart="never" nodeType="tmRoot"/>
-      </p:par>
-    </p:tnLst>
-  </p:timing>
 </p:sld>
 </file>
 
@@ -41343,6 +40777,181 @@
           <a:chExt cx="0" cy="0"/>
         </a:xfrm>
       </p:grpSpPr>
+      <p:sp>
+        <p:nvSpPr>
+          <p:cNvPr id="626" name="Google Shape;626;p42"/>
+          <p:cNvSpPr txBox="1">
+            <a:spLocks noGrp="1"/>
+          </p:cNvSpPr>
+          <p:nvPr>
+            <p:ph type="title"/>
+          </p:nvPr>
+        </p:nvSpPr>
+        <p:spPr>
+          <a:xfrm>
+            <a:off x="442856" y="0"/>
+            <a:ext cx="7024744" cy="685800"/>
+          </a:xfrm>
+          <a:prstGeom prst="rect">
+            <a:avLst/>
+          </a:prstGeom>
+          <a:noFill/>
+          <a:ln>
+            <a:noFill/>
+          </a:ln>
+        </p:spPr>
+        <p:txBody>
+          <a:bodyPr spcFirstLastPara="1" wrap="square" lIns="91425" tIns="45700" rIns="91425" bIns="45700" anchor="b" anchorCtr="0">
+            <a:normAutofit/>
+          </a:bodyPr>
+          <a:lstStyle/>
+          <a:p>
+            <a:pPr marL="0" lvl="0" indent="0" algn="l" rtl="0">
+              <a:spcBef>
+                <a:spcPts val="0"/>
+              </a:spcBef>
+              <a:spcAft>
+                <a:spcPts val="0"/>
+              </a:spcAft>
+              <a:buClr>
+                <a:schemeClr val="accent1"/>
+              </a:buClr>
+              <a:buSzPts val="2400"/>
+              <a:buFont typeface="Century Gothic"/>
+              <a:buNone/>
+            </a:pPr>
+            <a:r>
+              <a:rPr lang="en-US" sz="2400" b="1"/>
+              <a:t>Applications of Stacks</a:t>
+            </a:r>
+            <a:endParaRPr sz="2400"/>
+          </a:p>
+        </p:txBody>
+      </p:sp>
+      <p:sp>
+        <p:nvSpPr>
+          <p:cNvPr id="627" name="Google Shape;627;p42"/>
+          <p:cNvSpPr txBox="1">
+            <a:spLocks noGrp="1"/>
+          </p:cNvSpPr>
+          <p:nvPr>
+            <p:ph type="sldNum" idx="12"/>
+          </p:nvPr>
+        </p:nvSpPr>
+        <p:spPr>
+          <a:xfrm>
+            <a:off x="4649096" y="224491"/>
+            <a:ext cx="1332156" cy="365125"/>
+          </a:xfrm>
+          <a:prstGeom prst="rect">
+            <a:avLst/>
+          </a:prstGeom>
+          <a:noFill/>
+          <a:ln>
+            <a:noFill/>
+          </a:ln>
+        </p:spPr>
+        <p:txBody>
+          <a:bodyPr spcFirstLastPara="1" wrap="square" lIns="91425" tIns="45700" rIns="91425" bIns="45700" anchor="ctr" anchorCtr="0">
+            <a:noAutofit/>
+          </a:bodyPr>
+          <a:lstStyle/>
+          <a:p>
+            <a:pPr marL="0" lvl="0" indent="0" algn="l" rtl="0">
+              <a:spcBef>
+                <a:spcPts val="0"/>
+              </a:spcBef>
+              <a:spcAft>
+                <a:spcPts val="0"/>
+              </a:spcAft>
+              <a:buNone/>
+            </a:pPr>
+            <a:fld id="{00000000-1234-1234-1234-123412341234}" type="slidenum">
+              <a:rPr lang="en-US"/>
+              <a:t>39</a:t>
+            </a:fld>
+            <a:endParaRPr/>
+          </a:p>
+        </p:txBody>
+      </p:sp>
+      <p:sp>
+        <p:nvSpPr>
+          <p:cNvPr id="628" name="Google Shape;628;p42"/>
+          <p:cNvSpPr txBox="1">
+            <a:spLocks noGrp="1"/>
+          </p:cNvSpPr>
+          <p:nvPr>
+            <p:ph type="ftr" idx="11"/>
+          </p:nvPr>
+        </p:nvSpPr>
+        <p:spPr>
+          <a:xfrm>
+            <a:off x="5181600" y="6324600"/>
+            <a:ext cx="3502152" cy="365125"/>
+          </a:xfrm>
+          <a:prstGeom prst="rect">
+            <a:avLst/>
+          </a:prstGeom>
+          <a:noFill/>
+          <a:ln>
+            <a:noFill/>
+          </a:ln>
+        </p:spPr>
+        <p:txBody>
+          <a:bodyPr spcFirstLastPara="1" wrap="square" lIns="91425" tIns="45700" rIns="91425" bIns="45700" anchor="ctr" anchorCtr="0">
+            <a:noAutofit/>
+          </a:bodyPr>
+          <a:lstStyle/>
+          <a:p>
+            <a:pPr marL="0" lvl="0" indent="0" algn="r" rtl="0">
+              <a:spcBef>
+                <a:spcPts val="0"/>
+              </a:spcBef>
+              <a:spcAft>
+                <a:spcPts val="0"/>
+              </a:spcAft>
+              <a:buNone/>
+            </a:pPr>
+            <a:r>
+              <a:rPr lang="en-US" b="1">
+                <a:solidFill>
+                  <a:schemeClr val="dk1"/>
+                </a:solidFill>
+              </a:rPr>
+              <a:t>Data Structures Using C, Second Edition</a:t>
+            </a:r>
+            <a:endParaRPr b="1">
+              <a:solidFill>
+                <a:schemeClr val="dk1"/>
+              </a:solidFill>
+            </a:endParaRPr>
+          </a:p>
+          <a:p>
+            <a:pPr marL="0" lvl="0" indent="0" algn="r" rtl="0">
+              <a:spcBef>
+                <a:spcPts val="0"/>
+              </a:spcBef>
+              <a:spcAft>
+                <a:spcPts val="0"/>
+              </a:spcAft>
+              <a:buNone/>
+            </a:pPr>
+            <a:r>
+              <a:rPr lang="en-US">
+                <a:solidFill>
+                  <a:schemeClr val="dk1"/>
+                </a:solidFill>
+              </a:rPr>
+              <a:t>Reema Thareja</a:t>
+            </a:r>
+            <a:endParaRPr>
+              <a:solidFill>
+                <a:schemeClr val="dk1"/>
+              </a:solidFill>
+            </a:endParaRPr>
+          </a:p>
+        </p:txBody>
+      </p:sp>
       <p:pic>
         <p:nvPicPr>
           <p:cNvPr id="629" name="Google Shape;629;p42"/>
@@ -41358,7 +40967,7 @@
         </p:blipFill>
         <p:spPr>
           <a:xfrm>
-            <a:off x="2005275" y="685799"/>
+            <a:off x="609600" y="685800"/>
             <a:ext cx="4898327" cy="5791199"/>
           </a:xfrm>
           <a:prstGeom prst="rect">
@@ -41370,193 +40979,11 @@
           </a:ln>
         </p:spPr>
       </p:pic>
-      <p:sp>
-        <p:nvSpPr>
-          <p:cNvPr id="626" name="Google Shape;626;p42"/>
-          <p:cNvSpPr txBox="1">
-            <a:spLocks noGrp="1"/>
-          </p:cNvSpPr>
-          <p:nvPr>
-            <p:ph type="title"/>
-          </p:nvPr>
-        </p:nvSpPr>
-        <p:spPr>
-          <a:xfrm>
-            <a:off x="442856" y="0"/>
-            <a:ext cx="7024744" cy="685800"/>
-          </a:xfrm>
-          <a:prstGeom prst="rect">
-            <a:avLst/>
-          </a:prstGeom>
-          <a:noFill/>
-          <a:ln>
-            <a:noFill/>
-          </a:ln>
-        </p:spPr>
-        <p:txBody>
-          <a:bodyPr spcFirstLastPara="1" wrap="square" lIns="91425" tIns="45700" rIns="91425" bIns="45700" anchor="b" anchorCtr="0">
-            <a:normAutofit/>
-          </a:bodyPr>
-          <a:lstStyle/>
-          <a:p>
-            <a:pPr marL="0" lvl="0" indent="0" algn="l" rtl="0">
-              <a:spcBef>
-                <a:spcPts val="0"/>
-              </a:spcBef>
-              <a:spcAft>
-                <a:spcPts val="0"/>
-              </a:spcAft>
-              <a:buClr>
-                <a:schemeClr val="accent1"/>
-              </a:buClr>
-              <a:buSzPts val="2400"/>
-              <a:buFont typeface="Century Gothic"/>
-              <a:buNone/>
-            </a:pPr>
-            <a:r>
-              <a:rPr lang="en-US" sz="2400" b="1"/>
-              <a:t>Applications of Stacks</a:t>
-            </a:r>
-            <a:endParaRPr sz="2400"/>
-          </a:p>
-        </p:txBody>
-      </p:sp>
-      <p:sp>
-        <p:nvSpPr>
-          <p:cNvPr id="627" name="Google Shape;627;p42"/>
-          <p:cNvSpPr txBox="1">
-            <a:spLocks noGrp="1"/>
-          </p:cNvSpPr>
-          <p:nvPr>
-            <p:ph type="sldNum" idx="12"/>
-          </p:nvPr>
-        </p:nvSpPr>
-        <p:spPr>
-          <a:xfrm>
-            <a:off x="4649096" y="224491"/>
-            <a:ext cx="1332156" cy="365125"/>
-          </a:xfrm>
-          <a:prstGeom prst="rect">
-            <a:avLst/>
-          </a:prstGeom>
-          <a:noFill/>
-          <a:ln>
-            <a:noFill/>
-          </a:ln>
-        </p:spPr>
-        <p:txBody>
-          <a:bodyPr spcFirstLastPara="1" wrap="square" lIns="91425" tIns="45700" rIns="91425" bIns="45700" anchor="ctr" anchorCtr="0">
-            <a:noAutofit/>
-          </a:bodyPr>
-          <a:lstStyle/>
-          <a:p>
-            <a:pPr marL="0" lvl="0" indent="0" algn="l" rtl="0">
-              <a:spcBef>
-                <a:spcPts val="0"/>
-              </a:spcBef>
-              <a:spcAft>
-                <a:spcPts val="0"/>
-              </a:spcAft>
-              <a:buNone/>
-            </a:pPr>
-            <a:fld id="{00000000-1234-1234-1234-123412341234}" type="slidenum">
-              <a:rPr lang="en-US"/>
-              <a:t>39</a:t>
-            </a:fld>
-            <a:endParaRPr/>
-          </a:p>
-        </p:txBody>
-      </p:sp>
-      <p:sp>
-        <p:nvSpPr>
-          <p:cNvPr id="628" name="Google Shape;628;p42"/>
-          <p:cNvSpPr txBox="1">
-            <a:spLocks noGrp="1"/>
-          </p:cNvSpPr>
-          <p:nvPr>
-            <p:ph type="ftr" idx="11"/>
-          </p:nvPr>
-        </p:nvSpPr>
-        <p:spPr>
-          <a:xfrm>
-            <a:off x="5181600" y="6324600"/>
-            <a:ext cx="3502152" cy="365125"/>
-          </a:xfrm>
-          <a:prstGeom prst="rect">
-            <a:avLst/>
-          </a:prstGeom>
-          <a:noFill/>
-          <a:ln>
-            <a:noFill/>
-          </a:ln>
-        </p:spPr>
-        <p:txBody>
-          <a:bodyPr spcFirstLastPara="1" wrap="square" lIns="91425" tIns="45700" rIns="91425" bIns="45700" anchor="ctr" anchorCtr="0">
-            <a:noAutofit/>
-          </a:bodyPr>
-          <a:lstStyle/>
-          <a:p>
-            <a:pPr marL="0" lvl="0" indent="0" algn="r" rtl="0">
-              <a:spcBef>
-                <a:spcPts val="0"/>
-              </a:spcBef>
-              <a:spcAft>
-                <a:spcPts val="0"/>
-              </a:spcAft>
-              <a:buNone/>
-            </a:pPr>
-            <a:r>
-              <a:rPr lang="en-US" b="1">
-                <a:solidFill>
-                  <a:schemeClr val="dk1"/>
-                </a:solidFill>
-              </a:rPr>
-              <a:t>Data Structures Using C, Second Edition</a:t>
-            </a:r>
-            <a:endParaRPr b="1">
-              <a:solidFill>
-                <a:schemeClr val="dk1"/>
-              </a:solidFill>
-            </a:endParaRPr>
-          </a:p>
-          <a:p>
-            <a:pPr marL="0" lvl="0" indent="0" algn="r" rtl="0">
-              <a:spcBef>
-                <a:spcPts val="0"/>
-              </a:spcBef>
-              <a:spcAft>
-                <a:spcPts val="0"/>
-              </a:spcAft>
-              <a:buNone/>
-            </a:pPr>
-            <a:r>
-              <a:rPr lang="en-US">
-                <a:solidFill>
-                  <a:schemeClr val="dk1"/>
-                </a:solidFill>
-              </a:rPr>
-              <a:t>Reema Thareja</a:t>
-            </a:r>
-            <a:endParaRPr>
-              <a:solidFill>
-                <a:schemeClr val="dk1"/>
-              </a:solidFill>
-            </a:endParaRPr>
-          </a:p>
-        </p:txBody>
-      </p:sp>
     </p:spTree>
   </p:cSld>
   <p:clrMapOvr>
     <a:masterClrMapping/>
   </p:clrMapOvr>
-  <p:timing>
-    <p:tnLst>
-      <p:par>
-        <p:cTn id="1" dur="indefinite" restart="never" nodeType="tmRoot"/>
-      </p:par>
-    </p:tnLst>
-  </p:timing>
 </p:sld>
 </file>
 
@@ -41927,13 +41354,6 @@
   <p:clrMapOvr>
     <a:masterClrMapping/>
   </p:clrMapOvr>
-  <p:timing>
-    <p:tnLst>
-      <p:par>
-        <p:cTn id="1" dur="indefinite" restart="never" nodeType="tmRoot"/>
-      </p:par>
-    </p:tnLst>
-  </p:timing>
 </p:sld>
 </file>
 
@@ -42144,7 +41564,7 @@
         </p:blipFill>
         <p:spPr>
           <a:xfrm>
-            <a:off x="1732547" y="814107"/>
+            <a:off x="685800" y="814107"/>
             <a:ext cx="5631331" cy="5418100"/>
           </a:xfrm>
           <a:prstGeom prst="rect">
@@ -42161,13 +41581,6 @@
   <p:clrMapOvr>
     <a:masterClrMapping/>
   </p:clrMapOvr>
-  <p:timing>
-    <p:tnLst>
-      <p:par>
-        <p:cTn id="1" dur="indefinite" restart="never" nodeType="tmRoot"/>
-      </p:par>
-    </p:tnLst>
-  </p:timing>
 </p:sld>
 </file>
 
@@ -42466,13 +41879,6 @@
   <p:clrMapOvr>
     <a:masterClrMapping/>
   </p:clrMapOvr>
-  <p:timing>
-    <p:tnLst>
-      <p:par>
-        <p:cTn id="1" dur="indefinite" restart="never" nodeType="tmRoot"/>
-      </p:par>
-    </p:tnLst>
-  </p:timing>
 </p:sld>
 </file>
 
@@ -42823,13 +42229,6 @@
   <p:clrMapOvr>
     <a:masterClrMapping/>
   </p:clrMapOvr>
-  <p:timing>
-    <p:tnLst>
-      <p:par>
-        <p:cTn id="1" dur="indefinite" restart="never" nodeType="tmRoot"/>
-      </p:par>
-    </p:tnLst>
-  </p:timing>
 </p:sld>
 </file>
 
@@ -43140,13 +42539,6 @@
   <p:clrMapOvr>
     <a:masterClrMapping/>
   </p:clrMapOvr>
-  <p:timing>
-    <p:tnLst>
-      <p:par>
-        <p:cTn id="1" dur="indefinite" restart="never" nodeType="tmRoot"/>
-      </p:par>
-    </p:tnLst>
-  </p:timing>
 </p:sld>
 </file>
 
@@ -43521,13 +42913,6 @@
   <p:clrMapOvr>
     <a:masterClrMapping/>
   </p:clrMapOvr>
-  <p:timing>
-    <p:tnLst>
-      <p:par>
-        <p:cTn id="1" dur="indefinite" restart="never" nodeType="tmRoot"/>
-      </p:par>
-    </p:tnLst>
-  </p:timing>
 </p:sld>
 </file>
 
@@ -43755,13 +43140,6 @@
   <p:clrMapOvr>
     <a:masterClrMapping/>
   </p:clrMapOvr>
-  <p:timing>
-    <p:tnLst>
-      <p:par>
-        <p:cTn id="1" dur="indefinite" restart="never" nodeType="tmRoot"/>
-      </p:par>
-    </p:tnLst>
-  </p:timing>
 </p:sld>
 </file>
 
@@ -43989,13 +43367,6 @@
   <p:clrMapOvr>
     <a:masterClrMapping/>
   </p:clrMapOvr>
-  <p:timing>
-    <p:tnLst>
-      <p:par>
-        <p:cTn id="1" dur="indefinite" restart="never" nodeType="tmRoot"/>
-      </p:par>
-    </p:tnLst>
-  </p:timing>
 </p:sld>
 </file>
 
@@ -44223,13 +43594,6 @@
   <p:clrMapOvr>
     <a:masterClrMapping/>
   </p:clrMapOvr>
-  <p:timing>
-    <p:tnLst>
-      <p:par>
-        <p:cTn id="1" dur="indefinite" restart="never" nodeType="tmRoot"/>
-      </p:par>
-    </p:tnLst>
-  </p:timing>
 </p:sld>
 </file>
 
@@ -44574,13 +43938,6 @@
   <p:clrMapOvr>
     <a:masterClrMapping/>
   </p:clrMapOvr>
-  <p:timing>
-    <p:tnLst>
-      <p:par>
-        <p:cTn id="1" dur="indefinite" restart="never" nodeType="tmRoot"/>
-      </p:par>
-    </p:tnLst>
-  </p:timing>
 </p:sld>
 </file>
 
@@ -45029,13 +44386,6 @@
   <p:clrMapOvr>
     <a:masterClrMapping/>
   </p:clrMapOvr>
-  <p:timing>
-    <p:tnLst>
-      <p:par>
-        <p:cTn id="1" dur="indefinite" restart="never" nodeType="tmRoot"/>
-      </p:par>
-    </p:tnLst>
-  </p:timing>
 </p:sld>
 </file>
 
@@ -45373,13 +44723,6 @@
   <p:clrMapOvr>
     <a:masterClrMapping/>
   </p:clrMapOvr>
-  <p:timing>
-    <p:tnLst>
-      <p:par>
-        <p:cTn id="1" dur="indefinite" restart="never" nodeType="tmRoot"/>
-      </p:par>
-    </p:tnLst>
-  </p:timing>
 </p:sld>
 </file>
 
@@ -45607,13 +44950,6 @@
   <p:clrMapOvr>
     <a:masterClrMapping/>
   </p:clrMapOvr>
-  <p:timing>
-    <p:tnLst>
-      <p:par>
-        <p:cTn id="1" dur="indefinite" restart="never" nodeType="tmRoot"/>
-      </p:par>
-    </p:tnLst>
-  </p:timing>
 </p:sld>
 </file>
 
@@ -45841,13 +45177,6 @@
   <p:clrMapOvr>
     <a:masterClrMapping/>
   </p:clrMapOvr>
-  <p:timing>
-    <p:tnLst>
-      <p:par>
-        <p:cTn id="1" dur="indefinite" restart="never" nodeType="tmRoot"/>
-      </p:par>
-    </p:tnLst>
-  </p:timing>
 </p:sld>
 </file>
 
@@ -46075,13 +45404,6 @@
   <p:clrMapOvr>
     <a:masterClrMapping/>
   </p:clrMapOvr>
-  <p:timing>
-    <p:tnLst>
-      <p:par>
-        <p:cTn id="1" dur="indefinite" restart="never" nodeType="tmRoot"/>
-      </p:par>
-    </p:tnLst>
-  </p:timing>
 </p:sld>
 </file>
 
@@ -46309,13 +45631,6 @@
   <p:clrMapOvr>
     <a:masterClrMapping/>
   </p:clrMapOvr>
-  <p:timing>
-    <p:tnLst>
-      <p:par>
-        <p:cTn id="1" dur="indefinite" restart="never" nodeType="tmRoot"/>
-      </p:par>
-    </p:tnLst>
-  </p:timing>
 </p:sld>
 </file>
 
@@ -46543,13 +45858,6 @@
   <p:clrMapOvr>
     <a:masterClrMapping/>
   </p:clrMapOvr>
-  <p:timing>
-    <p:tnLst>
-      <p:par>
-        <p:cTn id="1" dur="indefinite" restart="never" nodeType="tmRoot"/>
-      </p:par>
-    </p:tnLst>
-  </p:timing>
 </p:sld>
 </file>
 
@@ -46664,10 +45972,10 @@
               <a:buChar char="🞇"/>
             </a:pPr>
             <a:r>
-              <a:rPr lang="en-US" sz="2380" b="1" dirty="0"/>
+              <a:rPr lang="en-US" sz="2380" b="1"/>
               <a:t>Evaluation of a Prefix Expression </a:t>
             </a:r>
-            <a:endParaRPr sz="2380" b="1" dirty="0"/>
+            <a:endParaRPr sz="2380" b="1"/>
           </a:p>
           <a:p>
             <a:pPr marL="342900" lvl="0" indent="-274320" algn="l" rtl="0">
@@ -46684,10 +45992,10 @@
               <a:buChar char="🞇"/>
             </a:pPr>
             <a:r>
-              <a:rPr lang="en-US" sz="1679" b="1" dirty="0"/>
+              <a:rPr lang="en-US" sz="1679" b="1"/>
               <a:t>The way of evaluation of a prefix expression is given in Fig. 7.26.</a:t>
             </a:r>
-            <a:endParaRPr sz="1679" b="1" dirty="0"/>
+            <a:endParaRPr sz="1679" b="1"/>
           </a:p>
           <a:p>
             <a:pPr marL="342900" lvl="0" indent="-274320" algn="l" rtl="0">
@@ -46705,15 +46013,7 @@
             </a:pPr>
             <a:r>
               <a:rPr lang="en-US" sz="1679" b="1"/>
-              <a:t>For example, consider the prefix expression + – </a:t>
-            </a:r>
-            <a:r>
-              <a:rPr lang="en-US" sz="1679" b="1" smtClean="0"/>
-              <a:t>2 </a:t>
-            </a:r>
-            <a:r>
-              <a:rPr lang="en-US" sz="1679" b="1"/>
-              <a:t>7 * 8 / 4 12. </a:t>
+              <a:t>For example, consider the prefix expression + – 9 2 7 * 8 / 4 12. </a:t>
             </a:r>
             <a:endParaRPr sz="1679" b="1"/>
           </a:p>
@@ -46732,10 +46032,10 @@
               <a:buChar char="🞇"/>
             </a:pPr>
             <a:r>
-              <a:rPr lang="en-US" sz="1679" b="1" dirty="0"/>
+              <a:rPr lang="en-US" sz="1679" b="1"/>
               <a:t>Let us now apply the algorithm to evaluate this expression. </a:t>
             </a:r>
-            <a:endParaRPr dirty="0"/>
+            <a:endParaRPr/>
           </a:p>
         </p:txBody>
       </p:sp>
@@ -46922,13 +46222,6 @@
   <p:clrMapOvr>
     <a:masterClrMapping/>
   </p:clrMapOvr>
-  <p:timing>
-    <p:tnLst>
-      <p:par>
-        <p:cTn id="1" dur="indefinite" restart="never" nodeType="tmRoot"/>
-      </p:par>
-    </p:tnLst>
-  </p:timing>
 </p:sld>
 </file>
 
@@ -47183,13 +46476,6 @@
   <p:clrMapOvr>
     <a:masterClrMapping/>
   </p:clrMapOvr>
-  <p:timing>
-    <p:tnLst>
-      <p:par>
-        <p:cTn id="1" dur="indefinite" restart="never" nodeType="tmRoot"/>
-      </p:par>
-    </p:tnLst>
-  </p:timing>
 </p:sld>
 </file>
 
@@ -47417,13 +46703,6 @@
   <p:clrMapOvr>
     <a:masterClrMapping/>
   </p:clrMapOvr>
-  <p:timing>
-    <p:tnLst>
-      <p:par>
-        <p:cTn id="1" dur="indefinite" restart="never" nodeType="tmRoot"/>
-      </p:par>
-    </p:tnLst>
-  </p:timing>
 </p:sld>
 </file>
 
@@ -47801,13 +47080,6 @@
   <p:clrMapOvr>
     <a:masterClrMapping/>
   </p:clrMapOvr>
-  <p:timing>
-    <p:tnLst>
-      <p:par>
-        <p:cTn id="1" dur="indefinite" restart="never" nodeType="tmRoot"/>
-      </p:par>
-    </p:tnLst>
-  </p:timing>
 </p:sld>
 </file>
 
@@ -48240,13 +47512,6 @@
   <p:clrMapOvr>
     <a:masterClrMapping/>
   </p:clrMapOvr>
-  <p:timing>
-    <p:tnLst>
-      <p:par>
-        <p:cTn id="1" dur="indefinite" restart="never" nodeType="tmRoot"/>
-      </p:par>
-    </p:tnLst>
-  </p:timing>
 </p:sld>
 </file>
 
@@ -48637,13 +47902,6 @@
   <p:clrMapOvr>
     <a:masterClrMapping/>
   </p:clrMapOvr>
-  <p:timing>
-    <p:tnLst>
-      <p:par>
-        <p:cTn id="1" dur="indefinite" restart="never" nodeType="tmRoot"/>
-      </p:par>
-    </p:tnLst>
-  </p:timing>
 </p:sld>
 </file>
 
@@ -48991,7 +48249,7 @@
       </p:sp>
       <p:pic>
         <p:nvPicPr>
-          <p:cNvPr id="338" name="Google Shape;338;p9"/>
+          <p:cNvPr id="337" name="Google Shape;337;p9"/>
           <p:cNvPicPr preferRelativeResize="0"/>
           <p:nvPr/>
         </p:nvPicPr>
@@ -49004,8 +48262,8 @@
         </p:blipFill>
         <p:spPr>
           <a:xfrm>
-            <a:off x="2500250" y="4334375"/>
-            <a:ext cx="3028950" cy="2133600"/>
+            <a:off x="2438400" y="3534062"/>
+            <a:ext cx="5669280" cy="685800"/>
           </a:xfrm>
           <a:prstGeom prst="rect">
             <a:avLst/>
@@ -49018,29 +48276,21 @@
       </p:pic>
       <p:pic>
         <p:nvPicPr>
-          <p:cNvPr id="1026" name="Picture 2"/>
-          <p:cNvPicPr>
-            <a:picLocks noChangeAspect="1" noChangeArrowheads="1"/>
-          </p:cNvPicPr>
+          <p:cNvPr id="338" name="Google Shape;338;p9"/>
+          <p:cNvPicPr preferRelativeResize="0"/>
           <p:nvPr/>
         </p:nvPicPr>
-        <p:blipFill>
+        <p:blipFill rotWithShape="1">
           <a:blip r:embed="rId4">
-            <a:extLst>
-              <a:ext uri="{28A0092B-C50C-407E-A947-70E740481C1C}">
-                <a14:useLocalDpi xmlns:a14="http://schemas.microsoft.com/office/drawing/2010/main" val="0"/>
-              </a:ext>
-            </a:extLst>
+            <a:alphaModFix/>
           </a:blip>
           <a:srcRect/>
-          <a:stretch>
-            <a:fillRect/>
-          </a:stretch>
+          <a:stretch/>
         </p:blipFill>
-        <p:spPr bwMode="auto">
-          <a:xfrm>
-            <a:off x="2438400" y="2962562"/>
-            <a:ext cx="5362575" cy="571500"/>
+        <p:spPr>
+          <a:xfrm>
+            <a:off x="2500250" y="4334375"/>
+            <a:ext cx="3028950" cy="2133600"/>
           </a:xfrm>
           <a:prstGeom prst="rect">
             <a:avLst/>
@@ -49049,52 +48299,25 @@
           <a:ln>
             <a:noFill/>
           </a:ln>
-          <a:extLst>
-            <a:ext uri="{909E8E84-426E-40DD-AFC4-6F175D3DCCD1}">
-              <a14:hiddenFill xmlns:a14="http://schemas.microsoft.com/office/drawing/2010/main">
-                <a:solidFill>
-                  <a:schemeClr val="accent1"/>
-                </a:solidFill>
-              </a14:hiddenFill>
-            </a:ext>
-            <a:ext uri="{91240B29-F687-4F45-9708-019B960494DF}">
-              <a14:hiddenLine xmlns:a14="http://schemas.microsoft.com/office/drawing/2010/main" w="9525">
-                <a:solidFill>
-                  <a:schemeClr val="tx1"/>
-                </a:solidFill>
-                <a:miter lim="800000"/>
-                <a:headEnd/>
-                <a:tailEnd/>
-              </a14:hiddenLine>
-            </a:ext>
-          </a:extLst>
         </p:spPr>
       </p:pic>
       <p:pic>
         <p:nvPicPr>
-          <p:cNvPr id="1027" name="Picture 3"/>
-          <p:cNvPicPr>
-            <a:picLocks noChangeAspect="1" noChangeArrowheads="1"/>
-          </p:cNvPicPr>
+          <p:cNvPr id="339" name="Google Shape;339;p9"/>
+          <p:cNvPicPr preferRelativeResize="0"/>
           <p:nvPr/>
         </p:nvPicPr>
-        <p:blipFill>
+        <p:blipFill rotWithShape="1">
           <a:blip r:embed="rId5">
-            <a:extLst>
-              <a:ext uri="{28A0092B-C50C-407E-A947-70E740481C1C}">
-                <a14:useLocalDpi xmlns:a14="http://schemas.microsoft.com/office/drawing/2010/main" val="0"/>
-              </a:ext>
-            </a:extLst>
+            <a:alphaModFix/>
           </a:blip>
           <a:srcRect/>
-          <a:stretch>
-            <a:fillRect/>
-          </a:stretch>
+          <a:stretch/>
         </p:blipFill>
-        <p:spPr bwMode="auto">
-          <a:xfrm>
-            <a:off x="2440090" y="3724775"/>
-            <a:ext cx="5391150" cy="609600"/>
+        <p:spPr>
+          <a:xfrm>
+            <a:off x="2511550" y="2895600"/>
+            <a:ext cx="5486401" cy="685800"/>
           </a:xfrm>
           <a:prstGeom prst="rect">
             <a:avLst/>
@@ -49103,25 +48326,6 @@
           <a:ln>
             <a:noFill/>
           </a:ln>
-          <a:extLst>
-            <a:ext uri="{909E8E84-426E-40DD-AFC4-6F175D3DCCD1}">
-              <a14:hiddenFill xmlns:a14="http://schemas.microsoft.com/office/drawing/2010/main">
-                <a:solidFill>
-                  <a:schemeClr val="accent1"/>
-                </a:solidFill>
-              </a14:hiddenFill>
-            </a:ext>
-            <a:ext uri="{91240B29-F687-4F45-9708-019B960494DF}">
-              <a14:hiddenLine xmlns:a14="http://schemas.microsoft.com/office/drawing/2010/main" w="9525">
-                <a:solidFill>
-                  <a:schemeClr val="tx1"/>
-                </a:solidFill>
-                <a:miter lim="800000"/>
-                <a:headEnd/>
-                <a:tailEnd/>
-              </a14:hiddenLine>
-            </a:ext>
-          </a:extLst>
         </p:spPr>
       </p:pic>
     </p:spTree>
@@ -49129,13 +48333,6 @@
   <p:clrMapOvr>
     <a:masterClrMapping/>
   </p:clrMapOvr>
-  <p:timing>
-    <p:tnLst>
-      <p:par>
-        <p:cTn id="1" dur="indefinite" restart="never" nodeType="tmRoot"/>
-      </p:par>
-    </p:tnLst>
-  </p:timing>
 </p:sld>
 </file>
 
